--- a/Trident Final Round.pptx
+++ b/Trident Final Round.pptx
@@ -5,7 +5,7 @@
     <p:sldMasterId id="2147483659" r:id="rId1"/>
   </p:sldMasterIdLst>
   <p:notesMasterIdLst>
-    <p:notesMasterId r:id="rId13"/>
+    <p:notesMasterId r:id="rId12"/>
   </p:notesMasterIdLst>
   <p:sldIdLst>
     <p:sldId id="256" r:id="rId2"/>
@@ -17,44 +17,43 @@
     <p:sldId id="275" r:id="rId8"/>
     <p:sldId id="277" r:id="rId9"/>
     <p:sldId id="260" r:id="rId10"/>
-    <p:sldId id="289" r:id="rId11"/>
-    <p:sldId id="278" r:id="rId12"/>
+    <p:sldId id="278" r:id="rId11"/>
   </p:sldIdLst>
   <p:sldSz cx="9144000" cy="5143500" type="screen16x9"/>
   <p:notesSz cx="6858000" cy="9144000"/>
   <p:embeddedFontLst>
     <p:embeddedFont>
       <p:font typeface="Calibri" panose="020F0502020204030204" pitchFamily="34" charset="0"/>
-      <p:regular r:id="rId14"/>
-      <p:bold r:id="rId15"/>
-      <p:italic r:id="rId16"/>
-      <p:boldItalic r:id="rId17"/>
+      <p:regular r:id="rId13"/>
+      <p:bold r:id="rId14"/>
+      <p:italic r:id="rId15"/>
+      <p:boldItalic r:id="rId16"/>
     </p:embeddedFont>
     <p:embeddedFont>
       <p:font typeface="Kulim Park" panose="020B0604020202020204" charset="0"/>
-      <p:regular r:id="rId18"/>
-      <p:bold r:id="rId19"/>
-      <p:italic r:id="rId20"/>
-      <p:boldItalic r:id="rId21"/>
+      <p:regular r:id="rId17"/>
+      <p:bold r:id="rId18"/>
+      <p:italic r:id="rId19"/>
+      <p:boldItalic r:id="rId20"/>
     </p:embeddedFont>
     <p:embeddedFont>
       <p:font typeface="Kulim Park Light" panose="020B0604020202020204" charset="0"/>
-      <p:regular r:id="rId22"/>
-      <p:bold r:id="rId23"/>
-      <p:italic r:id="rId24"/>
-      <p:boldItalic r:id="rId25"/>
+      <p:regular r:id="rId21"/>
+      <p:bold r:id="rId22"/>
+      <p:italic r:id="rId23"/>
+      <p:boldItalic r:id="rId24"/>
     </p:embeddedFont>
     <p:embeddedFont>
       <p:font typeface="Product Sans" panose="020B0604020202020204" charset="0"/>
-      <p:regular r:id="rId26"/>
-      <p:bold r:id="rId27"/>
-      <p:italic r:id="rId28"/>
-      <p:boldItalic r:id="rId29"/>
+      <p:regular r:id="rId25"/>
+      <p:bold r:id="rId26"/>
+      <p:italic r:id="rId27"/>
+      <p:boldItalic r:id="rId28"/>
     </p:embeddedFont>
     <p:embeddedFont>
       <p:font typeface="Red Hat Display Black" panose="020B0604020202020204" charset="0"/>
-      <p:bold r:id="rId30"/>
-      <p:boldItalic r:id="rId31"/>
+      <p:bold r:id="rId29"/>
+      <p:boldItalic r:id="rId30"/>
     </p:embeddedFont>
   </p:embeddedFontLst>
   <p:defaultTextStyle>
@@ -840,110 +839,6 @@
 </file>
 
 <file path=ppt/notesSlides/notesSlide10.xml><?xml version="1.0" encoding="utf-8"?>
-<p:notes xmlns:a="http://schemas.openxmlformats.org/drawingml/2006/main" xmlns:r="http://schemas.openxmlformats.org/officeDocument/2006/relationships" xmlns:p="http://schemas.openxmlformats.org/presentationml/2006/main" showMasterSp="0" showMasterPhAnim="0">
-  <p:cSld>
-    <p:spTree>
-      <p:nvGrpSpPr>
-        <p:cNvPr id="1" name="Shape 512"/>
-        <p:cNvGrpSpPr/>
-        <p:nvPr/>
-      </p:nvGrpSpPr>
-      <p:grpSpPr>
-        <a:xfrm>
-          <a:off x="0" y="0"/>
-          <a:ext cx="0" cy="0"/>
-          <a:chOff x="0" y="0"/>
-          <a:chExt cx="0" cy="0"/>
-        </a:xfrm>
-      </p:grpSpPr>
-      <p:sp>
-        <p:nvSpPr>
-          <p:cNvPr id="513" name="Google Shape;513;gb3208cc930_0_168:notes"/>
-          <p:cNvSpPr>
-            <a:spLocks noGrp="1" noRot="1" noChangeAspect="1"/>
-          </p:cNvSpPr>
-          <p:nvPr>
-            <p:ph type="sldImg" idx="2"/>
-          </p:nvPr>
-        </p:nvSpPr>
-        <p:spPr>
-          <a:xfrm>
-            <a:off x="381000" y="685800"/>
-            <a:ext cx="6096000" cy="3429000"/>
-          </a:xfrm>
-          <a:custGeom>
-            <a:avLst/>
-            <a:gdLst/>
-            <a:ahLst/>
-            <a:cxnLst/>
-            <a:rect l="l" t="t" r="r" b="b"/>
-            <a:pathLst>
-              <a:path w="120000" h="120000" extrusionOk="0">
-                <a:moveTo>
-                  <a:pt x="0" y="0"/>
-                </a:moveTo>
-                <a:lnTo>
-                  <a:pt x="120000" y="0"/>
-                </a:lnTo>
-                <a:lnTo>
-                  <a:pt x="120000" y="120000"/>
-                </a:lnTo>
-                <a:lnTo>
-                  <a:pt x="0" y="120000"/>
-                </a:lnTo>
-                <a:close/>
-              </a:path>
-            </a:pathLst>
-          </a:custGeom>
-        </p:spPr>
-      </p:sp>
-      <p:sp>
-        <p:nvSpPr>
-          <p:cNvPr id="514" name="Google Shape;514;gb3208cc930_0_168:notes"/>
-          <p:cNvSpPr txBox="1">
-            <a:spLocks noGrp="1"/>
-          </p:cNvSpPr>
-          <p:nvPr>
-            <p:ph type="body" idx="1"/>
-          </p:nvPr>
-        </p:nvSpPr>
-        <p:spPr>
-          <a:xfrm>
-            <a:off x="685800" y="4343400"/>
-            <a:ext cx="5486400" cy="4114800"/>
-          </a:xfrm>
-          <a:prstGeom prst="rect">
-            <a:avLst/>
-          </a:prstGeom>
-        </p:spPr>
-        <p:txBody>
-          <a:bodyPr spcFirstLastPara="1" wrap="square" lIns="91425" tIns="91425" rIns="91425" bIns="91425" anchor="t" anchorCtr="0">
-            <a:noAutofit/>
-          </a:bodyPr>
-          <a:lstStyle/>
-          <a:p>
-            <a:pPr marL="0" lvl="0" indent="0" algn="l" rtl="0">
-              <a:spcBef>
-                <a:spcPts val="0"/>
-              </a:spcBef>
-              <a:spcAft>
-                <a:spcPts val="0"/>
-              </a:spcAft>
-              <a:buNone/>
-            </a:pPr>
-            <a:endParaRPr/>
-          </a:p>
-        </p:txBody>
-      </p:sp>
-    </p:spTree>
-  </p:cSld>
-  <p:clrMapOvr>
-    <a:masterClrMapping/>
-  </p:clrMapOvr>
-</p:notes>
-</file>
-
-<file path=ppt/notesSlides/notesSlide11.xml><?xml version="1.0" encoding="utf-8"?>
 <p:notes xmlns:a="http://schemas.openxmlformats.org/drawingml/2006/main" xmlns:r="http://schemas.openxmlformats.org/officeDocument/2006/relationships" xmlns:p="http://schemas.openxmlformats.org/presentationml/2006/main" showMasterSp="0" showMasterPhAnim="0">
   <p:cSld>
     <p:spTree>
@@ -5857,599 +5752,6 @@
   <p:cSld>
     <p:spTree>
       <p:nvGrpSpPr>
-        <p:cNvPr id="1" name="Shape 515"/>
-        <p:cNvGrpSpPr/>
-        <p:nvPr/>
-      </p:nvGrpSpPr>
-      <p:grpSpPr>
-        <a:xfrm>
-          <a:off x="0" y="0"/>
-          <a:ext cx="0" cy="0"/>
-          <a:chOff x="0" y="0"/>
-          <a:chExt cx="0" cy="0"/>
-        </a:xfrm>
-      </p:grpSpPr>
-      <p:sp>
-        <p:nvSpPr>
-          <p:cNvPr id="516" name="Google Shape;516;p46"/>
-          <p:cNvSpPr txBox="1">
-            <a:spLocks noGrp="1"/>
-          </p:cNvSpPr>
-          <p:nvPr>
-            <p:ph type="title"/>
-          </p:nvPr>
-        </p:nvSpPr>
-        <p:spPr>
-          <a:xfrm>
-            <a:off x="545800" y="885775"/>
-            <a:ext cx="7772400" cy="626400"/>
-          </a:xfrm>
-          <a:prstGeom prst="rect">
-            <a:avLst/>
-          </a:prstGeom>
-        </p:spPr>
-        <p:txBody>
-          <a:bodyPr spcFirstLastPara="1" wrap="square" lIns="0" tIns="0" rIns="0" bIns="0" anchor="ctr" anchorCtr="0">
-            <a:noAutofit/>
-          </a:bodyPr>
-          <a:lstStyle/>
-          <a:p>
-            <a:pPr marL="0" lvl="0" indent="0" algn="l" rtl="0">
-              <a:spcBef>
-                <a:spcPts val="0"/>
-              </a:spcBef>
-              <a:spcAft>
-                <a:spcPts val="0"/>
-              </a:spcAft>
-              <a:buNone/>
-            </a:pPr>
-            <a:r>
-              <a:rPr lang="en"/>
-              <a:t>Team Presentation</a:t>
-            </a:r>
-            <a:endParaRPr/>
-          </a:p>
-        </p:txBody>
-      </p:sp>
-      <p:pic>
-        <p:nvPicPr>
-          <p:cNvPr id="518" name="Google Shape;518;p46"/>
-          <p:cNvPicPr preferRelativeResize="0"/>
-          <p:nvPr/>
-        </p:nvPicPr>
-        <p:blipFill>
-          <a:blip r:embed="rId3"/>
-          <a:srcRect/>
-          <a:stretch/>
-        </p:blipFill>
-        <p:spPr>
-          <a:xfrm>
-            <a:off x="855300" y="1759975"/>
-            <a:ext cx="1489200" cy="1489200"/>
-          </a:xfrm>
-          <a:prstGeom prst="ellipse">
-            <a:avLst/>
-          </a:prstGeom>
-          <a:noFill/>
-          <a:ln>
-            <a:noFill/>
-          </a:ln>
-        </p:spPr>
-      </p:pic>
-      <p:sp>
-        <p:nvSpPr>
-          <p:cNvPr id="519" name="Google Shape;519;p46"/>
-          <p:cNvSpPr txBox="1"/>
-          <p:nvPr/>
-        </p:nvSpPr>
-        <p:spPr>
-          <a:xfrm>
-            <a:off x="803774" y="3407354"/>
-            <a:ext cx="1592252" cy="734100"/>
-          </a:xfrm>
-          <a:prstGeom prst="rect">
-            <a:avLst/>
-          </a:prstGeom>
-          <a:noFill/>
-          <a:ln>
-            <a:noFill/>
-          </a:ln>
-        </p:spPr>
-        <p:txBody>
-          <a:bodyPr spcFirstLastPara="1" wrap="square" lIns="0" tIns="0" rIns="0" bIns="0" anchor="t" anchorCtr="0">
-            <a:noAutofit/>
-          </a:bodyPr>
-          <a:lstStyle/>
-          <a:p>
-            <a:pPr marL="0" lvl="0" indent="0" algn="ctr" rtl="0">
-              <a:lnSpc>
-                <a:spcPct val="150000"/>
-              </a:lnSpc>
-              <a:spcBef>
-                <a:spcPts val="0"/>
-              </a:spcBef>
-              <a:spcAft>
-                <a:spcPts val="0"/>
-              </a:spcAft>
-              <a:buNone/>
-            </a:pPr>
-            <a:r>
-              <a:rPr lang="en" sz="1200" b="1" dirty="0">
-                <a:solidFill>
-                  <a:schemeClr val="dk1"/>
-                </a:solidFill>
-                <a:latin typeface="Kulim Park"/>
-                <a:ea typeface="Kulim Park"/>
-                <a:cs typeface="Kulim Park"/>
-                <a:sym typeface="Kulim Park"/>
-              </a:rPr>
-              <a:t>Vaani Pathariya</a:t>
-            </a:r>
-            <a:br>
-              <a:rPr lang="en" dirty="0">
-                <a:latin typeface="Kulim Park"/>
-                <a:ea typeface="Kulim Park"/>
-                <a:cs typeface="Kulim Park"/>
-                <a:sym typeface="Kulim Park"/>
-              </a:rPr>
-            </a:br>
-            <a:r>
-              <a:rPr lang="en" sz="1000" dirty="0">
-                <a:solidFill>
-                  <a:schemeClr val="bg2">
-                    <a:lumMod val="75000"/>
-                  </a:schemeClr>
-                </a:solidFill>
-                <a:latin typeface="Kulim Park"/>
-                <a:ea typeface="Kulim Park"/>
-                <a:cs typeface="Kulim Park"/>
-                <a:sym typeface="Kulim Park"/>
-              </a:rPr>
-              <a:t>Web and ML Developer</a:t>
-            </a:r>
-            <a:endParaRPr sz="1000" dirty="0">
-              <a:solidFill>
-                <a:schemeClr val="bg2">
-                  <a:lumMod val="75000"/>
-                </a:schemeClr>
-              </a:solidFill>
-              <a:latin typeface="Kulim Park"/>
-              <a:ea typeface="Kulim Park"/>
-              <a:cs typeface="Kulim Park"/>
-              <a:sym typeface="Kulim Park"/>
-            </a:endParaRPr>
-          </a:p>
-          <a:p>
-            <a:pPr marL="0" lvl="0" indent="0" algn="ctr" rtl="0">
-              <a:spcBef>
-                <a:spcPts val="400"/>
-              </a:spcBef>
-              <a:spcAft>
-                <a:spcPts val="400"/>
-              </a:spcAft>
-              <a:buNone/>
-            </a:pPr>
-            <a:endParaRPr dirty="0">
-              <a:latin typeface="Kulim Park"/>
-              <a:ea typeface="Kulim Park"/>
-              <a:cs typeface="Kulim Park"/>
-              <a:sym typeface="Kulim Park"/>
-            </a:endParaRPr>
-          </a:p>
-        </p:txBody>
-      </p:sp>
-      <p:pic>
-        <p:nvPicPr>
-          <p:cNvPr id="520" name="Google Shape;520;p46"/>
-          <p:cNvPicPr preferRelativeResize="0"/>
-          <p:nvPr/>
-        </p:nvPicPr>
-        <p:blipFill>
-          <a:blip r:embed="rId4"/>
-          <a:srcRect/>
-          <a:stretch/>
-        </p:blipFill>
-        <p:spPr>
-          <a:xfrm>
-            <a:off x="2835025" y="1759975"/>
-            <a:ext cx="1489200" cy="1489200"/>
-          </a:xfrm>
-          <a:prstGeom prst="ellipse">
-            <a:avLst/>
-          </a:prstGeom>
-          <a:noFill/>
-          <a:ln>
-            <a:noFill/>
-          </a:ln>
-        </p:spPr>
-      </p:pic>
-      <p:pic>
-        <p:nvPicPr>
-          <p:cNvPr id="522" name="Google Shape;522;p46"/>
-          <p:cNvPicPr preferRelativeResize="0"/>
-          <p:nvPr/>
-        </p:nvPicPr>
-        <p:blipFill>
-          <a:blip r:embed="rId5"/>
-          <a:srcRect t="18052" b="18052"/>
-          <a:stretch/>
-        </p:blipFill>
-        <p:spPr>
-          <a:xfrm>
-            <a:off x="4814750" y="1759975"/>
-            <a:ext cx="1489200" cy="1489200"/>
-          </a:xfrm>
-          <a:prstGeom prst="ellipse">
-            <a:avLst/>
-          </a:prstGeom>
-          <a:noFill/>
-          <a:ln>
-            <a:noFill/>
-          </a:ln>
-        </p:spPr>
-      </p:pic>
-      <p:pic>
-        <p:nvPicPr>
-          <p:cNvPr id="524" name="Google Shape;524;p46"/>
-          <p:cNvPicPr preferRelativeResize="0"/>
-          <p:nvPr/>
-        </p:nvPicPr>
-        <p:blipFill>
-          <a:blip r:embed="rId6"/>
-          <a:srcRect/>
-          <a:stretch/>
-        </p:blipFill>
-        <p:spPr>
-          <a:xfrm>
-            <a:off x="6794475" y="1759975"/>
-            <a:ext cx="1489200" cy="1489200"/>
-          </a:xfrm>
-          <a:prstGeom prst="ellipse">
-            <a:avLst/>
-          </a:prstGeom>
-          <a:noFill/>
-          <a:ln>
-            <a:noFill/>
-          </a:ln>
-        </p:spPr>
-      </p:pic>
-      <p:sp>
-        <p:nvSpPr>
-          <p:cNvPr id="2" name="Google Shape;519;p46">
-            <a:extLst>
-              <a:ext uri="{FF2B5EF4-FFF2-40B4-BE49-F238E27FC236}">
-                <a16:creationId xmlns:a16="http://schemas.microsoft.com/office/drawing/2014/main" id="{18747A46-5576-201D-92EB-1D10564798B9}"/>
-              </a:ext>
-            </a:extLst>
-          </p:cNvPr>
-          <p:cNvSpPr txBox="1"/>
-          <p:nvPr/>
-        </p:nvSpPr>
-        <p:spPr>
-          <a:xfrm>
-            <a:off x="2731973" y="3407354"/>
-            <a:ext cx="1592252" cy="734100"/>
-          </a:xfrm>
-          <a:prstGeom prst="rect">
-            <a:avLst/>
-          </a:prstGeom>
-          <a:noFill/>
-          <a:ln>
-            <a:noFill/>
-          </a:ln>
-        </p:spPr>
-        <p:txBody>
-          <a:bodyPr spcFirstLastPara="1" wrap="square" lIns="0" tIns="0" rIns="0" bIns="0" anchor="t" anchorCtr="0">
-            <a:noAutofit/>
-          </a:bodyPr>
-          <a:lstStyle/>
-          <a:p>
-            <a:pPr marL="0" lvl="0" indent="0" algn="ctr" rtl="0">
-              <a:lnSpc>
-                <a:spcPct val="150000"/>
-              </a:lnSpc>
-              <a:spcBef>
-                <a:spcPts val="0"/>
-              </a:spcBef>
-              <a:spcAft>
-                <a:spcPts val="0"/>
-              </a:spcAft>
-              <a:buNone/>
-            </a:pPr>
-            <a:r>
-              <a:rPr lang="en" sz="1200" b="1" dirty="0">
-                <a:solidFill>
-                  <a:schemeClr val="dk1"/>
-                </a:solidFill>
-                <a:latin typeface="Kulim Park"/>
-                <a:ea typeface="Kulim Park"/>
-                <a:cs typeface="Kulim Park"/>
-                <a:sym typeface="Kulim Park"/>
-              </a:rPr>
-              <a:t>Anubhav Pal</a:t>
-            </a:r>
-            <a:br>
-              <a:rPr lang="en" dirty="0">
-                <a:latin typeface="Kulim Park"/>
-                <a:ea typeface="Kulim Park"/>
-                <a:cs typeface="Kulim Park"/>
-                <a:sym typeface="Kulim Park"/>
-              </a:rPr>
-            </a:br>
-            <a:r>
-              <a:rPr lang="en" sz="1000" dirty="0">
-                <a:solidFill>
-                  <a:schemeClr val="bg2">
-                    <a:lumMod val="75000"/>
-                  </a:schemeClr>
-                </a:solidFill>
-                <a:latin typeface="Kulim Park"/>
-                <a:ea typeface="Kulim Park"/>
-                <a:cs typeface="Kulim Park"/>
-                <a:sym typeface="Kulim Park"/>
-              </a:rPr>
-              <a:t>Web Developer</a:t>
-            </a:r>
-            <a:endParaRPr sz="1000" dirty="0">
-              <a:solidFill>
-                <a:schemeClr val="bg2">
-                  <a:lumMod val="75000"/>
-                </a:schemeClr>
-              </a:solidFill>
-              <a:latin typeface="Kulim Park"/>
-              <a:ea typeface="Kulim Park"/>
-              <a:cs typeface="Kulim Park"/>
-              <a:sym typeface="Kulim Park"/>
-            </a:endParaRPr>
-          </a:p>
-          <a:p>
-            <a:pPr marL="0" lvl="0" indent="0" algn="ctr" rtl="0">
-              <a:spcBef>
-                <a:spcPts val="400"/>
-              </a:spcBef>
-              <a:spcAft>
-                <a:spcPts val="400"/>
-              </a:spcAft>
-              <a:buNone/>
-            </a:pPr>
-            <a:endParaRPr dirty="0">
-              <a:latin typeface="Kulim Park"/>
-              <a:ea typeface="Kulim Park"/>
-              <a:cs typeface="Kulim Park"/>
-              <a:sym typeface="Kulim Park"/>
-            </a:endParaRPr>
-          </a:p>
-        </p:txBody>
-      </p:sp>
-      <p:sp>
-        <p:nvSpPr>
-          <p:cNvPr id="3" name="Google Shape;519;p46">
-            <a:extLst>
-              <a:ext uri="{FF2B5EF4-FFF2-40B4-BE49-F238E27FC236}">
-                <a16:creationId xmlns:a16="http://schemas.microsoft.com/office/drawing/2014/main" id="{964C5740-0AFF-D642-9E7D-588DEAABBE8C}"/>
-              </a:ext>
-            </a:extLst>
-          </p:cNvPr>
-          <p:cNvSpPr txBox="1"/>
-          <p:nvPr/>
-        </p:nvSpPr>
-        <p:spPr>
-          <a:xfrm>
-            <a:off x="4763224" y="3407354"/>
-            <a:ext cx="1592252" cy="734100"/>
-          </a:xfrm>
-          <a:prstGeom prst="rect">
-            <a:avLst/>
-          </a:prstGeom>
-          <a:noFill/>
-          <a:ln>
-            <a:noFill/>
-          </a:ln>
-        </p:spPr>
-        <p:txBody>
-          <a:bodyPr spcFirstLastPara="1" wrap="square" lIns="0" tIns="0" rIns="0" bIns="0" anchor="t" anchorCtr="0">
-            <a:noAutofit/>
-          </a:bodyPr>
-          <a:lstStyle/>
-          <a:p>
-            <a:pPr marL="0" lvl="0" indent="0" algn="ctr" rtl="0">
-              <a:lnSpc>
-                <a:spcPct val="150000"/>
-              </a:lnSpc>
-              <a:spcBef>
-                <a:spcPts val="0"/>
-              </a:spcBef>
-              <a:spcAft>
-                <a:spcPts val="0"/>
-              </a:spcAft>
-              <a:buNone/>
-            </a:pPr>
-            <a:r>
-              <a:rPr lang="en" sz="1200" b="1" dirty="0">
-                <a:solidFill>
-                  <a:schemeClr val="dk1"/>
-                </a:solidFill>
-                <a:latin typeface="Kulim Park"/>
-                <a:ea typeface="Kulim Park"/>
-                <a:cs typeface="Kulim Park"/>
-                <a:sym typeface="Kulim Park"/>
-              </a:rPr>
-              <a:t>Devanshi Bahuguna</a:t>
-            </a:r>
-            <a:br>
-              <a:rPr lang="en" dirty="0">
-                <a:latin typeface="Kulim Park"/>
-                <a:ea typeface="Kulim Park"/>
-                <a:cs typeface="Kulim Park"/>
-                <a:sym typeface="Kulim Park"/>
-              </a:rPr>
-            </a:br>
-            <a:r>
-              <a:rPr lang="en" sz="1000" dirty="0">
-                <a:solidFill>
-                  <a:schemeClr val="bg2">
-                    <a:lumMod val="75000"/>
-                  </a:schemeClr>
-                </a:solidFill>
-                <a:latin typeface="Kulim Park"/>
-                <a:ea typeface="Kulim Park"/>
-                <a:cs typeface="Kulim Park"/>
-                <a:sym typeface="Kulim Park"/>
-              </a:rPr>
-              <a:t>Web Developer</a:t>
-            </a:r>
-            <a:endParaRPr sz="1000" dirty="0">
-              <a:solidFill>
-                <a:schemeClr val="bg2">
-                  <a:lumMod val="75000"/>
-                </a:schemeClr>
-              </a:solidFill>
-              <a:latin typeface="Kulim Park"/>
-              <a:ea typeface="Kulim Park"/>
-              <a:cs typeface="Kulim Park"/>
-              <a:sym typeface="Kulim Park"/>
-            </a:endParaRPr>
-          </a:p>
-          <a:p>
-            <a:pPr marL="0" lvl="0" indent="0" algn="ctr" rtl="0">
-              <a:spcBef>
-                <a:spcPts val="400"/>
-              </a:spcBef>
-              <a:spcAft>
-                <a:spcPts val="400"/>
-              </a:spcAft>
-              <a:buNone/>
-            </a:pPr>
-            <a:endParaRPr dirty="0">
-              <a:latin typeface="Kulim Park"/>
-              <a:ea typeface="Kulim Park"/>
-              <a:cs typeface="Kulim Park"/>
-              <a:sym typeface="Kulim Park"/>
-            </a:endParaRPr>
-          </a:p>
-        </p:txBody>
-      </p:sp>
-      <p:sp>
-        <p:nvSpPr>
-          <p:cNvPr id="4" name="Google Shape;519;p46">
-            <a:extLst>
-              <a:ext uri="{FF2B5EF4-FFF2-40B4-BE49-F238E27FC236}">
-                <a16:creationId xmlns:a16="http://schemas.microsoft.com/office/drawing/2014/main" id="{C6E687F1-7AD0-14B1-8ABF-7048311F1A79}"/>
-              </a:ext>
-            </a:extLst>
-          </p:cNvPr>
-          <p:cNvSpPr txBox="1"/>
-          <p:nvPr/>
-        </p:nvSpPr>
-        <p:spPr>
-          <a:xfrm>
-            <a:off x="6747974" y="3407354"/>
-            <a:ext cx="1592252" cy="734100"/>
-          </a:xfrm>
-          <a:prstGeom prst="rect">
-            <a:avLst/>
-          </a:prstGeom>
-          <a:noFill/>
-          <a:ln>
-            <a:noFill/>
-          </a:ln>
-        </p:spPr>
-        <p:txBody>
-          <a:bodyPr spcFirstLastPara="1" wrap="square" lIns="0" tIns="0" rIns="0" bIns="0" anchor="t" anchorCtr="0">
-            <a:noAutofit/>
-          </a:bodyPr>
-          <a:lstStyle/>
-          <a:p>
-            <a:pPr marL="0" lvl="0" indent="0" algn="ctr" rtl="0">
-              <a:lnSpc>
-                <a:spcPct val="150000"/>
-              </a:lnSpc>
-              <a:spcBef>
-                <a:spcPts val="0"/>
-              </a:spcBef>
-              <a:spcAft>
-                <a:spcPts val="0"/>
-              </a:spcAft>
-              <a:buNone/>
-            </a:pPr>
-            <a:r>
-              <a:rPr lang="en" sz="1200" b="1" dirty="0">
-                <a:solidFill>
-                  <a:schemeClr val="dk1"/>
-                </a:solidFill>
-                <a:latin typeface="Kulim Park"/>
-                <a:ea typeface="Kulim Park"/>
-                <a:cs typeface="Kulim Park"/>
-                <a:sym typeface="Kulim Park"/>
-              </a:rPr>
-              <a:t>Shagun Chahar</a:t>
-            </a:r>
-            <a:br>
-              <a:rPr lang="en" dirty="0">
-                <a:latin typeface="Kulim Park"/>
-                <a:ea typeface="Kulim Park"/>
-                <a:cs typeface="Kulim Park"/>
-                <a:sym typeface="Kulim Park"/>
-              </a:rPr>
-            </a:br>
-            <a:r>
-              <a:rPr lang="en-US" sz="1000" dirty="0">
-                <a:solidFill>
-                  <a:schemeClr val="bg2">
-                    <a:lumMod val="75000"/>
-                  </a:schemeClr>
-                </a:solidFill>
-                <a:latin typeface="Kulim Park"/>
-                <a:ea typeface="Kulim Park"/>
-                <a:cs typeface="Kulim Park"/>
-                <a:sym typeface="Kulim Park"/>
-              </a:rPr>
-              <a:t>Android Developer</a:t>
-            </a:r>
-            <a:endParaRPr sz="1000" dirty="0">
-              <a:solidFill>
-                <a:schemeClr val="bg2">
-                  <a:lumMod val="75000"/>
-                </a:schemeClr>
-              </a:solidFill>
-              <a:latin typeface="Kulim Park"/>
-              <a:ea typeface="Kulim Park"/>
-              <a:cs typeface="Kulim Park"/>
-              <a:sym typeface="Kulim Park"/>
-            </a:endParaRPr>
-          </a:p>
-          <a:p>
-            <a:pPr marL="0" lvl="0" indent="0" algn="ctr" rtl="0">
-              <a:spcBef>
-                <a:spcPts val="400"/>
-              </a:spcBef>
-              <a:spcAft>
-                <a:spcPts val="400"/>
-              </a:spcAft>
-              <a:buNone/>
-            </a:pPr>
-            <a:endParaRPr dirty="0">
-              <a:latin typeface="Kulim Park"/>
-              <a:ea typeface="Kulim Park"/>
-              <a:cs typeface="Kulim Park"/>
-              <a:sym typeface="Kulim Park"/>
-            </a:endParaRPr>
-          </a:p>
-        </p:txBody>
-      </p:sp>
-    </p:spTree>
-  </p:cSld>
-  <p:clrMapOvr>
-    <a:masterClrMapping/>
-  </p:clrMapOvr>
-</p:sld>
-</file>
-
-<file path=ppt/slides/slide11.xml><?xml version="1.0" encoding="utf-8"?>
-<p:sld xmlns:a="http://schemas.openxmlformats.org/drawingml/2006/main" xmlns:r="http://schemas.openxmlformats.org/officeDocument/2006/relationships" xmlns:p="http://schemas.openxmlformats.org/presentationml/2006/main">
-  <p:cSld>
-    <p:spTree>
-      <p:nvGrpSpPr>
         <p:cNvPr id="1" name="Shape 301"/>
         <p:cNvGrpSpPr/>
         <p:nvPr/>
